--- a/Billing for Smart Parking.pptx
+++ b/Billing for Smart Parking.pptx
@@ -579,7 +579,7 @@
             <a:fld id="{81331B57-0BE5-4F82-AA58-76F53EFF3ADA}" type="datetime8">
               <a:rPr lang="en-US" smtClean="0"/>
               <a:pPr/>
-              <a:t>2/6/2017 11:24 AM</a:t>
+              <a:t>2/6/2017 11:37 AM</a:t>
             </a:fld>
             <a:endParaRPr lang="en-US" dirty="0"/>
           </a:p>
@@ -768,7 +768,7 @@
             <a:fld id="{81331B57-0BE5-4F82-AA58-76F53EFF3ADA}" type="datetime8">
               <a:rPr lang="en-US" smtClean="0"/>
               <a:pPr/>
-              <a:t>2/6/2017 11:24 AM</a:t>
+              <a:t>2/6/2017 11:37 AM</a:t>
             </a:fld>
             <a:endParaRPr lang="en-US"/>
           </a:p>
@@ -947,7 +947,7 @@
             <a:fld id="{81331B57-0BE5-4F82-AA58-76F53EFF3ADA}" type="datetime8">
               <a:rPr lang="en-US" smtClean="0"/>
               <a:pPr/>
-              <a:t>2/6/2017 11:24 AM</a:t>
+              <a:t>2/6/2017 11:37 AM</a:t>
             </a:fld>
             <a:endParaRPr lang="en-US"/>
           </a:p>
@@ -1126,7 +1126,7 @@
             <a:fld id="{81331B57-0BE5-4F82-AA58-76F53EFF3ADA}" type="datetime8">
               <a:rPr lang="en-US" smtClean="0"/>
               <a:pPr/>
-              <a:t>2/6/2017 11:24 AM</a:t>
+              <a:t>2/6/2017 11:37 AM</a:t>
             </a:fld>
             <a:endParaRPr lang="en-US"/>
           </a:p>
@@ -1310,7 +1310,7 @@
             <a:fld id="{81331B57-0BE5-4F82-AA58-76F53EFF3ADA}" type="datetime8">
               <a:rPr lang="en-US" smtClean="0"/>
               <a:pPr/>
-              <a:t>2/6/2017 11:24 AM</a:t>
+              <a:t>2/6/2017 11:37 AM</a:t>
             </a:fld>
             <a:endParaRPr lang="en-US"/>
           </a:p>
@@ -1489,7 +1489,7 @@
             <a:fld id="{81331B57-0BE5-4F82-AA58-76F53EFF3ADA}" type="datetime8">
               <a:rPr lang="en-US" smtClean="0"/>
               <a:pPr/>
-              <a:t>2/6/2017 11:24 AM</a:t>
+              <a:t>2/6/2017 11:37 AM</a:t>
             </a:fld>
             <a:endParaRPr lang="en-US"/>
           </a:p>
@@ -1668,7 +1668,7 @@
             <a:fld id="{81331B57-0BE5-4F82-AA58-76F53EFF3ADA}" type="datetime8">
               <a:rPr lang="en-US" smtClean="0"/>
               <a:pPr/>
-              <a:t>2/6/2017 11:24 AM</a:t>
+              <a:t>2/6/2017 11:37 AM</a:t>
             </a:fld>
             <a:endParaRPr lang="en-US"/>
           </a:p>
@@ -1847,7 +1847,7 @@
             <a:fld id="{81331B57-0BE5-4F82-AA58-76F53EFF3ADA}" type="datetime8">
               <a:rPr lang="en-US" smtClean="0"/>
               <a:pPr/>
-              <a:t>2/6/2017 11:24 AM</a:t>
+              <a:t>2/6/2017 11:37 AM</a:t>
             </a:fld>
             <a:endParaRPr lang="en-US"/>
           </a:p>
@@ -2087,7 +2087,7 @@
             <a:fld id="{81331B57-0BE5-4F82-AA58-76F53EFF3ADA}" type="datetime8">
               <a:rPr lang="en-US" smtClean="0"/>
               <a:pPr/>
-              <a:t>2/6/2017 11:24 AM</a:t>
+              <a:t>2/6/2017 11:37 AM</a:t>
             </a:fld>
             <a:endParaRPr lang="en-US"/>
           </a:p>
@@ -2310,7 +2310,7 @@
             <a:fld id="{81331B57-0BE5-4F82-AA58-76F53EFF3ADA}" type="datetime8">
               <a:rPr lang="en-US" smtClean="0"/>
               <a:pPr/>
-              <a:t>2/6/2017 11:24 AM</a:t>
+              <a:t>2/6/2017 11:37 AM</a:t>
             </a:fld>
             <a:endParaRPr lang="en-US"/>
           </a:p>
@@ -2489,7 +2489,7 @@
             <a:fld id="{81331B57-0BE5-4F82-AA58-76F53EFF3ADA}" type="datetime8">
               <a:rPr lang="en-US" smtClean="0"/>
               <a:pPr/>
-              <a:t>2/6/2017 11:24 AM</a:t>
+              <a:t>2/6/2017 11:37 AM</a:t>
             </a:fld>
             <a:endParaRPr lang="en-US"/>
           </a:p>
@@ -2814,7 +2814,7 @@
             <a:fld id="{81331B57-0BE5-4F82-AA58-76F53EFF3ADA}" type="datetime8">
               <a:rPr lang="en-US" smtClean="0"/>
               <a:pPr/>
-              <a:t>2/6/2017 11:24 AM</a:t>
+              <a:t>2/6/2017 11:37 AM</a:t>
             </a:fld>
             <a:endParaRPr lang="en-US"/>
           </a:p>
@@ -3039,7 +3039,7 @@
             <a:fld id="{81331B57-0BE5-4F82-AA58-76F53EFF3ADA}" type="datetime8">
               <a:rPr lang="en-US" smtClean="0"/>
               <a:pPr/>
-              <a:t>2/6/2017 11:24 AM</a:t>
+              <a:t>2/6/2017 11:37 AM</a:t>
             </a:fld>
             <a:endParaRPr lang="en-US"/>
           </a:p>
@@ -3266,7 +3266,7 @@
             <a:fld id="{81331B57-0BE5-4F82-AA58-76F53EFF3ADA}" type="datetime8">
               <a:rPr lang="en-US" smtClean="0"/>
               <a:pPr/>
-              <a:t>2/6/2017 11:24 AM</a:t>
+              <a:t>2/6/2017 11:37 AM</a:t>
             </a:fld>
             <a:endParaRPr lang="en-US"/>
           </a:p>
@@ -3445,7 +3445,7 @@
             <a:fld id="{81331B57-0BE5-4F82-AA58-76F53EFF3ADA}" type="datetime8">
               <a:rPr lang="en-US" smtClean="0"/>
               <a:pPr/>
-              <a:t>2/6/2017 11:24 AM</a:t>
+              <a:t>2/6/2017 11:37 AM</a:t>
             </a:fld>
             <a:endParaRPr lang="en-US"/>
           </a:p>
@@ -3624,7 +3624,7 @@
             <a:fld id="{81331B57-0BE5-4F82-AA58-76F53EFF3ADA}" type="datetime8">
               <a:rPr lang="en-US" smtClean="0"/>
               <a:pPr/>
-              <a:t>2/6/2017 11:24 AM</a:t>
+              <a:t>2/6/2017 11:38 AM</a:t>
             </a:fld>
             <a:endParaRPr lang="en-US"/>
           </a:p>
@@ -15225,7 +15225,7 @@
           <a:graphicData uri="http://schemas.openxmlformats.org/presentationml/2006/ole">
             <mc:AlternateContent xmlns:mc="http://schemas.openxmlformats.org/markup-compatibility/2006">
               <mc:Choice xmlns:v="urn:schemas-microsoft-com:vml" Requires="v">
-                <p:oleObj spid="_x0000_s2054" name="Equation" r:id="rId4" imgW="1955520" imgH="393480" progId="Equation.DSMT4">
+                <p:oleObj spid="_x0000_s2055" name="Equation" r:id="rId4" imgW="1955520" imgH="393480" progId="Equation.DSMT4">
                   <p:embed/>
                 </p:oleObj>
               </mc:Choice>
@@ -18525,18 +18525,22 @@
                 <a:latin typeface="Consolas" pitchFamily="49" charset="0"/>
                 <a:cs typeface="Consolas" pitchFamily="49" charset="0"/>
               </a:rPr>
-              <a:t>appbridge</a:t>
-            </a:r>
-            <a:r>
-              <a:rPr lang="en-US" dirty="0">
+              <a:t>appservice</a:t>
+            </a:r>
+            <a:r>
+              <a:rPr lang="en-US">
                 <a:latin typeface="Consolas" pitchFamily="49" charset="0"/>
                 <a:cs typeface="Consolas" pitchFamily="49" charset="0"/>
               </a:rPr>
-              <a:t>-service</a:t>
+              <a:t>-bridge</a:t>
+            </a:r>
+            <a:r>
+              <a:rPr lang="en-US"/>
+              <a:t> </a:t>
             </a:r>
             <a:r>
               <a:rPr lang="en-US" dirty="0"/>
-              <a:t> Framework support</a:t>
+              <a:t>Framework support</a:t>
             </a:r>
           </a:p>
           <a:p>
